--- a/monitor.pptx
+++ b/monitor.pptx
@@ -6,6 +6,16 @@
   </p:sldMasterIdLst>
   <p:sldIdLst>
     <p:sldId id="256" r:id="rId2"/>
+    <p:sldId id="257" r:id="rId3"/>
+    <p:sldId id="258" r:id="rId4"/>
+    <p:sldId id="259" r:id="rId5"/>
+    <p:sldId id="260" r:id="rId6"/>
+    <p:sldId id="261" r:id="rId7"/>
+    <p:sldId id="262" r:id="rId8"/>
+    <p:sldId id="263" r:id="rId9"/>
+    <p:sldId id="264" r:id="rId10"/>
+    <p:sldId id="265" r:id="rId11"/>
+    <p:sldId id="266" r:id="rId12"/>
   </p:sldIdLst>
   <p:sldSz cx="12192000" cy="6858000"/>
   <p:notesSz cx="6858000" cy="9144000"/>
@@ -104,6 +114,11 @@
       </a:defRPr>
     </a:lvl9pPr>
   </p:defaultTextStyle>
+  <p:extLst>
+    <p:ext uri="{EFAFB233-063F-42B5-8137-9DF3F51BA10A}">
+      <p15:sldGuideLst xmlns:p15="http://schemas.microsoft.com/office/powerpoint/2012/main"/>
+    </p:ext>
+  </p:extLst>
 </p:presentation>
 </file>
 
@@ -2976,14 +2991,20 @@
         </p:nvSpPr>
         <p:spPr/>
         <p:txBody>
-          <a:bodyPr/>
-          <a:lstStyle/>
-          <a:p>
-            <a:r>
-              <a:rPr lang="hu-HU" smtClean="0"/>
+          <a:bodyPr>
+            <a:normAutofit/>
+          </a:bodyPr>
+          <a:lstStyle/>
+          <a:p>
+            <a:r>
+              <a:rPr lang="hu-HU" sz="7200" dirty="0" smtClean="0">
+                <a:latin typeface="Bahnschrift Light Condensed" panose="020B0502040204020203" pitchFamily="34" charset="0"/>
+              </a:rPr>
               <a:t>Monitorok</a:t>
             </a:r>
-            <a:endParaRPr lang="hu-HU"/>
+            <a:endParaRPr lang="hu-HU" sz="7200" dirty="0">
+              <a:latin typeface="Bahnschrift Light Condensed" panose="020B0502040204020203" pitchFamily="34" charset="0"/>
+            </a:endParaRPr>
           </a:p>
         </p:txBody>
       </p:sp>
@@ -2999,10 +3020,20 @@
         </p:nvSpPr>
         <p:spPr/>
         <p:txBody>
-          <a:bodyPr/>
-          <a:lstStyle/>
-          <a:p>
-            <a:endParaRPr lang="hu-HU"/>
+          <a:bodyPr>
+            <a:normAutofit/>
+          </a:bodyPr>
+          <a:lstStyle/>
+          <a:p>
+            <a:r>
+              <a:rPr lang="hu-HU" sz="3200" dirty="0" smtClean="0">
+                <a:latin typeface="Bahnschrift Light Condensed" panose="020B0502040204020203" pitchFamily="34" charset="0"/>
+              </a:rPr>
+              <a:t>Készítette: Vér Bence</a:t>
+            </a:r>
+            <a:endParaRPr lang="hu-HU" sz="3200" dirty="0">
+              <a:latin typeface="Bahnschrift Light Condensed" panose="020B0502040204020203" pitchFamily="34" charset="0"/>
+            </a:endParaRPr>
           </a:p>
         </p:txBody>
       </p:sp>
@@ -3010,6 +3041,759 @@
     <p:extLst>
       <p:ext uri="{BB962C8B-B14F-4D97-AF65-F5344CB8AC3E}">
         <p14:creationId xmlns:p14="http://schemas.microsoft.com/office/powerpoint/2010/main" val="3362255485"/>
+      </p:ext>
+    </p:extLst>
+  </p:cSld>
+  <p:clrMapOvr>
+    <a:masterClrMapping/>
+  </p:clrMapOvr>
+</p:sld>
+</file>
+
+<file path=ppt/slides/slide10.xml><?xml version="1.0" encoding="utf-8"?>
+<p:sld xmlns:a="http://schemas.openxmlformats.org/drawingml/2006/main" xmlns:r="http://schemas.openxmlformats.org/officeDocument/2006/relationships" xmlns:p="http://schemas.openxmlformats.org/presentationml/2006/main">
+  <p:cSld>
+    <p:spTree>
+      <p:nvGrpSpPr>
+        <p:cNvPr id="1" name=""/>
+        <p:cNvGrpSpPr/>
+        <p:nvPr/>
+      </p:nvGrpSpPr>
+      <p:grpSpPr>
+        <a:xfrm>
+          <a:off x="0" y="0"/>
+          <a:ext cx="0" cy="0"/>
+          <a:chOff x="0" y="0"/>
+          <a:chExt cx="0" cy="0"/>
+        </a:xfrm>
+      </p:grpSpPr>
+      <p:sp>
+        <p:nvSpPr>
+          <p:cNvPr id="2" name="Cím 1"/>
+          <p:cNvSpPr>
+            <a:spLocks noGrp="1"/>
+          </p:cNvSpPr>
+          <p:nvPr>
+            <p:ph type="title"/>
+          </p:nvPr>
+        </p:nvSpPr>
+        <p:spPr/>
+        <p:txBody>
+          <a:bodyPr/>
+          <a:lstStyle/>
+          <a:p>
+            <a:endParaRPr lang="hu-HU"/>
+          </a:p>
+        </p:txBody>
+      </p:sp>
+      <p:sp>
+        <p:nvSpPr>
+          <p:cNvPr id="3" name="Tartalom helye 2"/>
+          <p:cNvSpPr>
+            <a:spLocks noGrp="1"/>
+          </p:cNvSpPr>
+          <p:nvPr>
+            <p:ph idx="1"/>
+          </p:nvPr>
+        </p:nvSpPr>
+        <p:spPr/>
+        <p:txBody>
+          <a:bodyPr/>
+          <a:lstStyle/>
+          <a:p>
+            <a:endParaRPr lang="hu-HU"/>
+          </a:p>
+        </p:txBody>
+      </p:sp>
+    </p:spTree>
+    <p:extLst>
+      <p:ext uri="{BB962C8B-B14F-4D97-AF65-F5344CB8AC3E}">
+        <p14:creationId xmlns:p14="http://schemas.microsoft.com/office/powerpoint/2010/main" val="1249238243"/>
+      </p:ext>
+    </p:extLst>
+  </p:cSld>
+  <p:clrMapOvr>
+    <a:masterClrMapping/>
+  </p:clrMapOvr>
+</p:sld>
+</file>
+
+<file path=ppt/slides/slide11.xml><?xml version="1.0" encoding="utf-8"?>
+<p:sld xmlns:a="http://schemas.openxmlformats.org/drawingml/2006/main" xmlns:r="http://schemas.openxmlformats.org/officeDocument/2006/relationships" xmlns:p="http://schemas.openxmlformats.org/presentationml/2006/main">
+  <p:cSld>
+    <p:spTree>
+      <p:nvGrpSpPr>
+        <p:cNvPr id="1" name=""/>
+        <p:cNvGrpSpPr/>
+        <p:nvPr/>
+      </p:nvGrpSpPr>
+      <p:grpSpPr>
+        <a:xfrm>
+          <a:off x="0" y="0"/>
+          <a:ext cx="0" cy="0"/>
+          <a:chOff x="0" y="0"/>
+          <a:chExt cx="0" cy="0"/>
+        </a:xfrm>
+      </p:grpSpPr>
+      <p:sp>
+        <p:nvSpPr>
+          <p:cNvPr id="2" name="Cím 1"/>
+          <p:cNvSpPr>
+            <a:spLocks noGrp="1"/>
+          </p:cNvSpPr>
+          <p:nvPr>
+            <p:ph type="title"/>
+          </p:nvPr>
+        </p:nvSpPr>
+        <p:spPr/>
+        <p:txBody>
+          <a:bodyPr>
+            <a:normAutofit/>
+          </a:bodyPr>
+          <a:lstStyle/>
+          <a:p>
+            <a:r>
+              <a:rPr lang="hu-HU" sz="5400" dirty="0" smtClean="0">
+                <a:latin typeface="Bahnschrift Light Condensed" panose="020B0502040204020203" pitchFamily="34" charset="0"/>
+              </a:rPr>
+              <a:t>Források</a:t>
+            </a:r>
+            <a:endParaRPr lang="hu-HU" sz="5400" dirty="0">
+              <a:latin typeface="Bahnschrift Light Condensed" panose="020B0502040204020203" pitchFamily="34" charset="0"/>
+            </a:endParaRPr>
+          </a:p>
+        </p:txBody>
+      </p:sp>
+      <p:sp>
+        <p:nvSpPr>
+          <p:cNvPr id="3" name="Tartalom helye 2"/>
+          <p:cNvSpPr>
+            <a:spLocks noGrp="1"/>
+          </p:cNvSpPr>
+          <p:nvPr>
+            <p:ph idx="1"/>
+          </p:nvPr>
+        </p:nvSpPr>
+        <p:spPr/>
+        <p:txBody>
+          <a:bodyPr>
+            <a:normAutofit/>
+          </a:bodyPr>
+          <a:lstStyle/>
+          <a:p>
+            <a:r>
+              <a:rPr lang="hu-HU" sz="3200" dirty="0">
+                <a:latin typeface="Bahnschrift Light Condensed" panose="020B0502040204020203" pitchFamily="34" charset="0"/>
+                <a:hlinkClick r:id="rId2"/>
+              </a:rPr>
+              <a:t>https://hu.wikipedia.org/wiki/Monitor</a:t>
+            </a:r>
+            <a:endParaRPr lang="hu-HU" sz="3200" dirty="0">
+              <a:latin typeface="Bahnschrift Light Condensed" panose="020B0502040204020203" pitchFamily="34" charset="0"/>
+            </a:endParaRPr>
+          </a:p>
+        </p:txBody>
+      </p:sp>
+    </p:spTree>
+    <p:extLst>
+      <p:ext uri="{BB962C8B-B14F-4D97-AF65-F5344CB8AC3E}">
+        <p14:creationId xmlns:p14="http://schemas.microsoft.com/office/powerpoint/2010/main" val="515127701"/>
+      </p:ext>
+    </p:extLst>
+  </p:cSld>
+  <p:clrMapOvr>
+    <a:masterClrMapping/>
+  </p:clrMapOvr>
+</p:sld>
+</file>
+
+<file path=ppt/slides/slide2.xml><?xml version="1.0" encoding="utf-8"?>
+<p:sld xmlns:a="http://schemas.openxmlformats.org/drawingml/2006/main" xmlns:r="http://schemas.openxmlformats.org/officeDocument/2006/relationships" xmlns:p="http://schemas.openxmlformats.org/presentationml/2006/main">
+  <p:cSld>
+    <p:spTree>
+      <p:nvGrpSpPr>
+        <p:cNvPr id="1" name=""/>
+        <p:cNvGrpSpPr/>
+        <p:nvPr/>
+      </p:nvGrpSpPr>
+      <p:grpSpPr>
+        <a:xfrm>
+          <a:off x="0" y="0"/>
+          <a:ext cx="0" cy="0"/>
+          <a:chOff x="0" y="0"/>
+          <a:chExt cx="0" cy="0"/>
+        </a:xfrm>
+      </p:grpSpPr>
+      <p:sp>
+        <p:nvSpPr>
+          <p:cNvPr id="2" name="Cím 1"/>
+          <p:cNvSpPr>
+            <a:spLocks noGrp="1"/>
+          </p:cNvSpPr>
+          <p:nvPr>
+            <p:ph type="title"/>
+          </p:nvPr>
+        </p:nvSpPr>
+        <p:spPr/>
+        <p:txBody>
+          <a:bodyPr/>
+          <a:lstStyle/>
+          <a:p>
+            <a:r>
+              <a:rPr lang="hu-HU" dirty="0" smtClean="0">
+                <a:latin typeface="Bahnschrift Light Condensed" panose="020B0502040204020203" pitchFamily="34" charset="0"/>
+              </a:rPr>
+              <a:t>Mi az a monitor?</a:t>
+            </a:r>
+            <a:endParaRPr lang="hu-HU" dirty="0">
+              <a:latin typeface="Bahnschrift Light Condensed" panose="020B0502040204020203" pitchFamily="34" charset="0"/>
+            </a:endParaRPr>
+          </a:p>
+        </p:txBody>
+      </p:sp>
+      <p:sp>
+        <p:nvSpPr>
+          <p:cNvPr id="3" name="Tartalom helye 2"/>
+          <p:cNvSpPr>
+            <a:spLocks noGrp="1"/>
+          </p:cNvSpPr>
+          <p:nvPr>
+            <p:ph idx="1"/>
+          </p:nvPr>
+        </p:nvSpPr>
+        <p:spPr/>
+        <p:txBody>
+          <a:bodyPr/>
+          <a:lstStyle/>
+          <a:p>
+            <a:r>
+              <a:rPr lang="hu-HU" dirty="0" smtClean="0">
+                <a:latin typeface="Bahnschrift Light Condensed" panose="020B0502040204020203" pitchFamily="34" charset="0"/>
+              </a:rPr>
+              <a:t>A monitor a számítógép egyik kimenő perifériája</a:t>
+            </a:r>
+          </a:p>
+          <a:p>
+            <a:r>
+              <a:rPr lang="hu-HU" dirty="0" smtClean="0">
+                <a:latin typeface="Bahnschrift Light Condensed" panose="020B0502040204020203" pitchFamily="34" charset="0"/>
+              </a:rPr>
+              <a:t>Szövegeket, grafikákat jelenít meg, amit a GPU „rajzol”.</a:t>
+            </a:r>
+          </a:p>
+          <a:p>
+            <a:pPr marL="0" indent="0">
+              <a:buNone/>
+            </a:pPr>
+            <a:endParaRPr lang="hu-HU" dirty="0" smtClean="0">
+              <a:latin typeface="Bahnschrift Light Condensed" panose="020B0502040204020203" pitchFamily="34" charset="0"/>
+            </a:endParaRPr>
+          </a:p>
+          <a:p>
+            <a:endParaRPr lang="hu-HU" dirty="0">
+              <a:latin typeface="Bahnschrift Light Condensed" panose="020B0502040204020203" pitchFamily="34" charset="0"/>
+            </a:endParaRPr>
+          </a:p>
+        </p:txBody>
+      </p:sp>
+    </p:spTree>
+    <p:extLst>
+      <p:ext uri="{BB962C8B-B14F-4D97-AF65-F5344CB8AC3E}">
+        <p14:creationId xmlns:p14="http://schemas.microsoft.com/office/powerpoint/2010/main" val="2719650727"/>
+      </p:ext>
+    </p:extLst>
+  </p:cSld>
+  <p:clrMapOvr>
+    <a:masterClrMapping/>
+  </p:clrMapOvr>
+</p:sld>
+</file>
+
+<file path=ppt/slides/slide3.xml><?xml version="1.0" encoding="utf-8"?>
+<p:sld xmlns:a="http://schemas.openxmlformats.org/drawingml/2006/main" xmlns:r="http://schemas.openxmlformats.org/officeDocument/2006/relationships" xmlns:p="http://schemas.openxmlformats.org/presentationml/2006/main">
+  <p:cSld>
+    <p:spTree>
+      <p:nvGrpSpPr>
+        <p:cNvPr id="1" name=""/>
+        <p:cNvGrpSpPr/>
+        <p:nvPr/>
+      </p:nvGrpSpPr>
+      <p:grpSpPr>
+        <a:xfrm>
+          <a:off x="0" y="0"/>
+          <a:ext cx="0" cy="0"/>
+          <a:chOff x="0" y="0"/>
+          <a:chExt cx="0" cy="0"/>
+        </a:xfrm>
+      </p:grpSpPr>
+      <p:sp>
+        <p:nvSpPr>
+          <p:cNvPr id="2" name="Cím 1"/>
+          <p:cNvSpPr>
+            <a:spLocks noGrp="1"/>
+          </p:cNvSpPr>
+          <p:nvPr>
+            <p:ph type="title"/>
+          </p:nvPr>
+        </p:nvSpPr>
+        <p:spPr/>
+        <p:txBody>
+          <a:bodyPr/>
+          <a:lstStyle/>
+          <a:p>
+            <a:r>
+              <a:rPr lang="hu-HU" dirty="0" smtClean="0">
+                <a:latin typeface="Bahnschrift Light Condensed" panose="020B0502040204020203" pitchFamily="34" charset="0"/>
+              </a:rPr>
+              <a:t>Monitortechnológiák</a:t>
+            </a:r>
+            <a:endParaRPr lang="hu-HU" dirty="0">
+              <a:latin typeface="Bahnschrift Light Condensed" panose="020B0502040204020203" pitchFamily="34" charset="0"/>
+            </a:endParaRPr>
+          </a:p>
+        </p:txBody>
+      </p:sp>
+      <p:sp>
+        <p:nvSpPr>
+          <p:cNvPr id="3" name="Tartalom helye 2"/>
+          <p:cNvSpPr>
+            <a:spLocks noGrp="1"/>
+          </p:cNvSpPr>
+          <p:nvPr>
+            <p:ph idx="1"/>
+          </p:nvPr>
+        </p:nvSpPr>
+        <p:spPr/>
+        <p:txBody>
+          <a:bodyPr/>
+          <a:lstStyle/>
+          <a:p>
+            <a:r>
+              <a:rPr lang="hu-HU" dirty="0" smtClean="0">
+                <a:latin typeface="Bahnschrift Light Condensed" panose="020B0502040204020203" pitchFamily="34" charset="0"/>
+              </a:rPr>
+              <a:t>Több féle monitortípus létezik a piacon, pl. CRT, LCD, OLED</a:t>
+            </a:r>
+          </a:p>
+          <a:p>
+            <a:endParaRPr lang="hu-HU" dirty="0">
+              <a:latin typeface="Bahnschrift Light Condensed" panose="020B0502040204020203" pitchFamily="34" charset="0"/>
+            </a:endParaRPr>
+          </a:p>
+        </p:txBody>
+      </p:sp>
+    </p:spTree>
+    <p:extLst>
+      <p:ext uri="{BB962C8B-B14F-4D97-AF65-F5344CB8AC3E}">
+        <p14:creationId xmlns:p14="http://schemas.microsoft.com/office/powerpoint/2010/main" val="2975125149"/>
+      </p:ext>
+    </p:extLst>
+  </p:cSld>
+  <p:clrMapOvr>
+    <a:masterClrMapping/>
+  </p:clrMapOvr>
+</p:sld>
+</file>
+
+<file path=ppt/slides/slide4.xml><?xml version="1.0" encoding="utf-8"?>
+<p:sld xmlns:a="http://schemas.openxmlformats.org/drawingml/2006/main" xmlns:r="http://schemas.openxmlformats.org/officeDocument/2006/relationships" xmlns:p="http://schemas.openxmlformats.org/presentationml/2006/main">
+  <p:cSld>
+    <p:spTree>
+      <p:nvGrpSpPr>
+        <p:cNvPr id="1" name=""/>
+        <p:cNvGrpSpPr/>
+        <p:nvPr/>
+      </p:nvGrpSpPr>
+      <p:grpSpPr>
+        <a:xfrm>
+          <a:off x="0" y="0"/>
+          <a:ext cx="0" cy="0"/>
+          <a:chOff x="0" y="0"/>
+          <a:chExt cx="0" cy="0"/>
+        </a:xfrm>
+      </p:grpSpPr>
+      <p:sp>
+        <p:nvSpPr>
+          <p:cNvPr id="2" name="Cím 1"/>
+          <p:cNvSpPr>
+            <a:spLocks noGrp="1"/>
+          </p:cNvSpPr>
+          <p:nvPr>
+            <p:ph type="title"/>
+          </p:nvPr>
+        </p:nvSpPr>
+        <p:spPr/>
+        <p:txBody>
+          <a:bodyPr/>
+          <a:lstStyle/>
+          <a:p>
+            <a:endParaRPr lang="hu-HU"/>
+          </a:p>
+        </p:txBody>
+      </p:sp>
+      <p:sp>
+        <p:nvSpPr>
+          <p:cNvPr id="3" name="Tartalom helye 2"/>
+          <p:cNvSpPr>
+            <a:spLocks noGrp="1"/>
+          </p:cNvSpPr>
+          <p:nvPr>
+            <p:ph idx="1"/>
+          </p:nvPr>
+        </p:nvSpPr>
+        <p:spPr/>
+        <p:txBody>
+          <a:bodyPr/>
+          <a:lstStyle/>
+          <a:p>
+            <a:endParaRPr lang="hu-HU"/>
+          </a:p>
+        </p:txBody>
+      </p:sp>
+    </p:spTree>
+    <p:extLst>
+      <p:ext uri="{BB962C8B-B14F-4D97-AF65-F5344CB8AC3E}">
+        <p14:creationId xmlns:p14="http://schemas.microsoft.com/office/powerpoint/2010/main" val="815354087"/>
+      </p:ext>
+    </p:extLst>
+  </p:cSld>
+  <p:clrMapOvr>
+    <a:masterClrMapping/>
+  </p:clrMapOvr>
+</p:sld>
+</file>
+
+<file path=ppt/slides/slide5.xml><?xml version="1.0" encoding="utf-8"?>
+<p:sld xmlns:a="http://schemas.openxmlformats.org/drawingml/2006/main" xmlns:r="http://schemas.openxmlformats.org/officeDocument/2006/relationships" xmlns:p="http://schemas.openxmlformats.org/presentationml/2006/main">
+  <p:cSld>
+    <p:spTree>
+      <p:nvGrpSpPr>
+        <p:cNvPr id="1" name=""/>
+        <p:cNvGrpSpPr/>
+        <p:nvPr/>
+      </p:nvGrpSpPr>
+      <p:grpSpPr>
+        <a:xfrm>
+          <a:off x="0" y="0"/>
+          <a:ext cx="0" cy="0"/>
+          <a:chOff x="0" y="0"/>
+          <a:chExt cx="0" cy="0"/>
+        </a:xfrm>
+      </p:grpSpPr>
+      <p:sp>
+        <p:nvSpPr>
+          <p:cNvPr id="2" name="Cím 1"/>
+          <p:cNvSpPr>
+            <a:spLocks noGrp="1"/>
+          </p:cNvSpPr>
+          <p:nvPr>
+            <p:ph type="title"/>
+          </p:nvPr>
+        </p:nvSpPr>
+        <p:spPr/>
+        <p:txBody>
+          <a:bodyPr/>
+          <a:lstStyle/>
+          <a:p>
+            <a:endParaRPr lang="hu-HU"/>
+          </a:p>
+        </p:txBody>
+      </p:sp>
+      <p:sp>
+        <p:nvSpPr>
+          <p:cNvPr id="3" name="Tartalom helye 2"/>
+          <p:cNvSpPr>
+            <a:spLocks noGrp="1"/>
+          </p:cNvSpPr>
+          <p:nvPr>
+            <p:ph idx="1"/>
+          </p:nvPr>
+        </p:nvSpPr>
+        <p:spPr/>
+        <p:txBody>
+          <a:bodyPr/>
+          <a:lstStyle/>
+          <a:p>
+            <a:endParaRPr lang="hu-HU"/>
+          </a:p>
+        </p:txBody>
+      </p:sp>
+    </p:spTree>
+    <p:extLst>
+      <p:ext uri="{BB962C8B-B14F-4D97-AF65-F5344CB8AC3E}">
+        <p14:creationId xmlns:p14="http://schemas.microsoft.com/office/powerpoint/2010/main" val="3345886198"/>
+      </p:ext>
+    </p:extLst>
+  </p:cSld>
+  <p:clrMapOvr>
+    <a:masterClrMapping/>
+  </p:clrMapOvr>
+</p:sld>
+</file>
+
+<file path=ppt/slides/slide6.xml><?xml version="1.0" encoding="utf-8"?>
+<p:sld xmlns:a="http://schemas.openxmlformats.org/drawingml/2006/main" xmlns:r="http://schemas.openxmlformats.org/officeDocument/2006/relationships" xmlns:p="http://schemas.openxmlformats.org/presentationml/2006/main">
+  <p:cSld>
+    <p:spTree>
+      <p:nvGrpSpPr>
+        <p:cNvPr id="1" name=""/>
+        <p:cNvGrpSpPr/>
+        <p:nvPr/>
+      </p:nvGrpSpPr>
+      <p:grpSpPr>
+        <a:xfrm>
+          <a:off x="0" y="0"/>
+          <a:ext cx="0" cy="0"/>
+          <a:chOff x="0" y="0"/>
+          <a:chExt cx="0" cy="0"/>
+        </a:xfrm>
+      </p:grpSpPr>
+      <p:sp>
+        <p:nvSpPr>
+          <p:cNvPr id="2" name="Cím 1"/>
+          <p:cNvSpPr>
+            <a:spLocks noGrp="1"/>
+          </p:cNvSpPr>
+          <p:nvPr>
+            <p:ph type="title"/>
+          </p:nvPr>
+        </p:nvSpPr>
+        <p:spPr/>
+        <p:txBody>
+          <a:bodyPr/>
+          <a:lstStyle/>
+          <a:p>
+            <a:endParaRPr lang="hu-HU"/>
+          </a:p>
+        </p:txBody>
+      </p:sp>
+      <p:sp>
+        <p:nvSpPr>
+          <p:cNvPr id="3" name="Tartalom helye 2"/>
+          <p:cNvSpPr>
+            <a:spLocks noGrp="1"/>
+          </p:cNvSpPr>
+          <p:nvPr>
+            <p:ph idx="1"/>
+          </p:nvPr>
+        </p:nvSpPr>
+        <p:spPr/>
+        <p:txBody>
+          <a:bodyPr/>
+          <a:lstStyle/>
+          <a:p>
+            <a:endParaRPr lang="hu-HU"/>
+          </a:p>
+        </p:txBody>
+      </p:sp>
+    </p:spTree>
+    <p:extLst>
+      <p:ext uri="{BB962C8B-B14F-4D97-AF65-F5344CB8AC3E}">
+        <p14:creationId xmlns:p14="http://schemas.microsoft.com/office/powerpoint/2010/main" val="2190678697"/>
+      </p:ext>
+    </p:extLst>
+  </p:cSld>
+  <p:clrMapOvr>
+    <a:masterClrMapping/>
+  </p:clrMapOvr>
+</p:sld>
+</file>
+
+<file path=ppt/slides/slide7.xml><?xml version="1.0" encoding="utf-8"?>
+<p:sld xmlns:a="http://schemas.openxmlformats.org/drawingml/2006/main" xmlns:r="http://schemas.openxmlformats.org/officeDocument/2006/relationships" xmlns:p="http://schemas.openxmlformats.org/presentationml/2006/main">
+  <p:cSld>
+    <p:spTree>
+      <p:nvGrpSpPr>
+        <p:cNvPr id="1" name=""/>
+        <p:cNvGrpSpPr/>
+        <p:nvPr/>
+      </p:nvGrpSpPr>
+      <p:grpSpPr>
+        <a:xfrm>
+          <a:off x="0" y="0"/>
+          <a:ext cx="0" cy="0"/>
+          <a:chOff x="0" y="0"/>
+          <a:chExt cx="0" cy="0"/>
+        </a:xfrm>
+      </p:grpSpPr>
+      <p:sp>
+        <p:nvSpPr>
+          <p:cNvPr id="2" name="Cím 1"/>
+          <p:cNvSpPr>
+            <a:spLocks noGrp="1"/>
+          </p:cNvSpPr>
+          <p:nvPr>
+            <p:ph type="title"/>
+          </p:nvPr>
+        </p:nvSpPr>
+        <p:spPr/>
+        <p:txBody>
+          <a:bodyPr/>
+          <a:lstStyle/>
+          <a:p>
+            <a:endParaRPr lang="hu-HU"/>
+          </a:p>
+        </p:txBody>
+      </p:sp>
+      <p:sp>
+        <p:nvSpPr>
+          <p:cNvPr id="3" name="Tartalom helye 2"/>
+          <p:cNvSpPr>
+            <a:spLocks noGrp="1"/>
+          </p:cNvSpPr>
+          <p:nvPr>
+            <p:ph idx="1"/>
+          </p:nvPr>
+        </p:nvSpPr>
+        <p:spPr/>
+        <p:txBody>
+          <a:bodyPr/>
+          <a:lstStyle/>
+          <a:p>
+            <a:endParaRPr lang="hu-HU"/>
+          </a:p>
+        </p:txBody>
+      </p:sp>
+    </p:spTree>
+    <p:extLst>
+      <p:ext uri="{BB962C8B-B14F-4D97-AF65-F5344CB8AC3E}">
+        <p14:creationId xmlns:p14="http://schemas.microsoft.com/office/powerpoint/2010/main" val="2013613086"/>
+      </p:ext>
+    </p:extLst>
+  </p:cSld>
+  <p:clrMapOvr>
+    <a:masterClrMapping/>
+  </p:clrMapOvr>
+</p:sld>
+</file>
+
+<file path=ppt/slides/slide8.xml><?xml version="1.0" encoding="utf-8"?>
+<p:sld xmlns:a="http://schemas.openxmlformats.org/drawingml/2006/main" xmlns:r="http://schemas.openxmlformats.org/officeDocument/2006/relationships" xmlns:p="http://schemas.openxmlformats.org/presentationml/2006/main">
+  <p:cSld>
+    <p:spTree>
+      <p:nvGrpSpPr>
+        <p:cNvPr id="1" name=""/>
+        <p:cNvGrpSpPr/>
+        <p:nvPr/>
+      </p:nvGrpSpPr>
+      <p:grpSpPr>
+        <a:xfrm>
+          <a:off x="0" y="0"/>
+          <a:ext cx="0" cy="0"/>
+          <a:chOff x="0" y="0"/>
+          <a:chExt cx="0" cy="0"/>
+        </a:xfrm>
+      </p:grpSpPr>
+      <p:sp>
+        <p:nvSpPr>
+          <p:cNvPr id="2" name="Cím 1"/>
+          <p:cNvSpPr>
+            <a:spLocks noGrp="1"/>
+          </p:cNvSpPr>
+          <p:nvPr>
+            <p:ph type="title"/>
+          </p:nvPr>
+        </p:nvSpPr>
+        <p:spPr/>
+        <p:txBody>
+          <a:bodyPr/>
+          <a:lstStyle/>
+          <a:p>
+            <a:endParaRPr lang="hu-HU"/>
+          </a:p>
+        </p:txBody>
+      </p:sp>
+      <p:sp>
+        <p:nvSpPr>
+          <p:cNvPr id="3" name="Tartalom helye 2"/>
+          <p:cNvSpPr>
+            <a:spLocks noGrp="1"/>
+          </p:cNvSpPr>
+          <p:nvPr>
+            <p:ph idx="1"/>
+          </p:nvPr>
+        </p:nvSpPr>
+        <p:spPr/>
+        <p:txBody>
+          <a:bodyPr/>
+          <a:lstStyle/>
+          <a:p>
+            <a:endParaRPr lang="hu-HU"/>
+          </a:p>
+        </p:txBody>
+      </p:sp>
+    </p:spTree>
+    <p:extLst>
+      <p:ext uri="{BB962C8B-B14F-4D97-AF65-F5344CB8AC3E}">
+        <p14:creationId xmlns:p14="http://schemas.microsoft.com/office/powerpoint/2010/main" val="1232880937"/>
+      </p:ext>
+    </p:extLst>
+  </p:cSld>
+  <p:clrMapOvr>
+    <a:masterClrMapping/>
+  </p:clrMapOvr>
+</p:sld>
+</file>
+
+<file path=ppt/slides/slide9.xml><?xml version="1.0" encoding="utf-8"?>
+<p:sld xmlns:a="http://schemas.openxmlformats.org/drawingml/2006/main" xmlns:r="http://schemas.openxmlformats.org/officeDocument/2006/relationships" xmlns:p="http://schemas.openxmlformats.org/presentationml/2006/main">
+  <p:cSld>
+    <p:spTree>
+      <p:nvGrpSpPr>
+        <p:cNvPr id="1" name=""/>
+        <p:cNvGrpSpPr/>
+        <p:nvPr/>
+      </p:nvGrpSpPr>
+      <p:grpSpPr>
+        <a:xfrm>
+          <a:off x="0" y="0"/>
+          <a:ext cx="0" cy="0"/>
+          <a:chOff x="0" y="0"/>
+          <a:chExt cx="0" cy="0"/>
+        </a:xfrm>
+      </p:grpSpPr>
+      <p:sp>
+        <p:nvSpPr>
+          <p:cNvPr id="2" name="Cím 1"/>
+          <p:cNvSpPr>
+            <a:spLocks noGrp="1"/>
+          </p:cNvSpPr>
+          <p:nvPr>
+            <p:ph type="title"/>
+          </p:nvPr>
+        </p:nvSpPr>
+        <p:spPr/>
+        <p:txBody>
+          <a:bodyPr/>
+          <a:lstStyle/>
+          <a:p>
+            <a:endParaRPr lang="hu-HU"/>
+          </a:p>
+        </p:txBody>
+      </p:sp>
+      <p:sp>
+        <p:nvSpPr>
+          <p:cNvPr id="3" name="Tartalom helye 2"/>
+          <p:cNvSpPr>
+            <a:spLocks noGrp="1"/>
+          </p:cNvSpPr>
+          <p:nvPr>
+            <p:ph idx="1"/>
+          </p:nvPr>
+        </p:nvSpPr>
+        <p:spPr/>
+        <p:txBody>
+          <a:bodyPr/>
+          <a:lstStyle/>
+          <a:p>
+            <a:endParaRPr lang="hu-HU"/>
+          </a:p>
+        </p:txBody>
+      </p:sp>
+    </p:spTree>
+    <p:extLst>
+      <p:ext uri="{BB962C8B-B14F-4D97-AF65-F5344CB8AC3E}">
+        <p14:creationId xmlns:p14="http://schemas.microsoft.com/office/powerpoint/2010/main" val="1228783528"/>
       </p:ext>
     </p:extLst>
   </p:cSld>
